--- a/Experiments/03_SERVO/ppt/02_servo_if.pptx
+++ b/Experiments/03_SERVO/ppt/02_servo_if.pptx
@@ -220,7 +220,7 @@
           <a:p>
             <a:fld id="{4D4CD106-0280-324C-A42B-4E18AB917999}" type="datetimeFigureOut">
               <a:rPr lang="cs-CZ" smtClean="0"/>
-              <a:t>04.03.18</a:t>
+              <a:t>28.06.18</a:t>
             </a:fld>
             <a:endParaRPr lang="cs-CZ"/>
           </a:p>
@@ -7287,14 +7287,6 @@
               </a:rPr>
               <a:t>podobnost vidíte v zapojení fotorezistorů se zapojením potenciometru?</a:t>
             </a:r>
-            <a:endParaRPr lang="cs-CZ" sz="1600" dirty="0">
-              <a:solidFill>
-                <a:srgbClr val="AB7942"/>
-              </a:solidFill>
-              <a:latin typeface="Andale Mono" charset="0"/>
-              <a:ea typeface="Andale Mono" charset="0"/>
-              <a:cs typeface="Andale Mono" charset="0"/>
-            </a:endParaRPr>
           </a:p>
         </p:txBody>
       </p:sp>
@@ -7339,7 +7331,29 @@
                 <a:ea typeface="Andale Mono" charset="0"/>
                 <a:cs typeface="Andale Mono" charset="0"/>
               </a:rPr>
-              <a:t>Kombinace fotorezistorů nám vytváří tzv. proudový dělič a jeho datový vodič je připojen opět na analogový pin A0.</a:t>
+              <a:t>Kombinace fotorezistorů nám vytváří tzv. </a:t>
+            </a:r>
+            <a:r>
+              <a:rPr lang="cs-CZ" sz="1200" smtClean="0">
+                <a:solidFill>
+                  <a:srgbClr val="595959"/>
+                </a:solidFill>
+                <a:latin typeface="Andale Mono" charset="0"/>
+                <a:ea typeface="Andale Mono" charset="0"/>
+                <a:cs typeface="Andale Mono" charset="0"/>
+              </a:rPr>
+              <a:t>napěťový dělič </a:t>
+            </a:r>
+            <a:r>
+              <a:rPr lang="cs-CZ" sz="1200" dirty="0">
+                <a:solidFill>
+                  <a:srgbClr val="595959"/>
+                </a:solidFill>
+                <a:latin typeface="Andale Mono" charset="0"/>
+                <a:ea typeface="Andale Mono" charset="0"/>
+                <a:cs typeface="Andale Mono" charset="0"/>
+              </a:rPr>
+              <a:t>a jeho datový vodič je připojen opět na analogový pin A0.</a:t>
             </a:r>
             <a:endParaRPr lang="cs-CZ" sz="1200" b="1" dirty="0">
               <a:solidFill>
@@ -7862,14 +7876,6 @@
               </a:rPr>
               <a:t>Zkuste naprogramovat ovládání servomotoru tak, že pokud posvítíte na první fotorezistor, servomotor se bude otáčet v jednom směru a pokud posvítíte na druhý fotorezistor, bude se otáčet ve směru druhém.</a:t>
             </a:r>
-            <a:endParaRPr lang="cs-CZ" sz="1600" dirty="0">
-              <a:solidFill>
-                <a:srgbClr val="AB7942"/>
-              </a:solidFill>
-              <a:latin typeface="Andale Mono" charset="0"/>
-              <a:ea typeface="Andale Mono" charset="0"/>
-              <a:cs typeface="Andale Mono" charset="0"/>
-            </a:endParaRPr>
           </a:p>
         </p:txBody>
       </p:sp>
@@ -7895,7 +7901,7 @@
           <a:graphicData uri="http://schemas.openxmlformats.org/presentationml/2006/ole">
             <mc:AlternateContent xmlns:mc="http://schemas.openxmlformats.org/markup-compatibility/2006">
               <mc:Choice xmlns:v="urn:schemas-microsoft-com:vml" Requires="v">
-                <p:oleObj spid="_x0000_s24583" name="Dokument" r:id="rId5" imgW="6413500" imgH="2768600" progId="Word.Document.12">
+                <p:oleObj spid="_x0000_s24588" name="Dokument" r:id="rId5" imgW="6413500" imgH="2768600" progId="Word.Document.12">
                   <p:embed/>
                 </p:oleObj>
               </mc:Choice>
@@ -7952,7 +7958,7 @@
           <a:graphicData uri="http://schemas.openxmlformats.org/presentationml/2006/ole">
             <mc:AlternateContent xmlns:mc="http://schemas.openxmlformats.org/markup-compatibility/2006">
               <mc:Choice xmlns:v="urn:schemas-microsoft-com:vml" Requires="v">
-                <p:oleObj spid="_x0000_s24584" name="Dokument" r:id="rId7" imgW="5575300" imgH="3187700" progId="Word.Document.12">
+                <p:oleObj spid="_x0000_s24589" name="Dokument" r:id="rId7" imgW="5575300" imgH="3187700" progId="Word.Document.12">
                   <p:embed/>
                 </p:oleObj>
               </mc:Choice>
@@ -8648,7 +8654,7 @@
           <a:graphicData uri="http://schemas.openxmlformats.org/presentationml/2006/ole">
             <mc:AlternateContent xmlns:mc="http://schemas.openxmlformats.org/markup-compatibility/2006">
               <mc:Choice xmlns:v="urn:schemas-microsoft-com:vml" Requires="v">
-                <p:oleObj spid="_x0000_s21594" name="Dokument" r:id="rId5" imgW="5575300" imgH="1371600" progId="Word.Document.12">
+                <p:oleObj spid="_x0000_s21599" name="Dokument" r:id="rId5" imgW="5575300" imgH="1371600" progId="Word.Document.12">
                   <p:embed/>
                 </p:oleObj>
               </mc:Choice>
@@ -9043,7 +9049,7 @@
           <a:graphicData uri="http://schemas.openxmlformats.org/presentationml/2006/ole">
             <mc:AlternateContent xmlns:mc="http://schemas.openxmlformats.org/markup-compatibility/2006">
               <mc:Choice xmlns:v="urn:schemas-microsoft-com:vml" Requires="v">
-                <p:oleObj spid="_x0000_s21595" name="Dokument" r:id="rId7" imgW="5575300" imgH="1206500" progId="Word.Document.12">
+                <p:oleObj spid="_x0000_s21600" name="Dokument" r:id="rId7" imgW="5575300" imgH="1206500" progId="Word.Document.12">
                   <p:embed/>
                 </p:oleObj>
               </mc:Choice>
@@ -9560,7 +9566,7 @@
           <a:graphicData uri="http://schemas.openxmlformats.org/presentationml/2006/ole">
             <mc:AlternateContent xmlns:mc="http://schemas.openxmlformats.org/markup-compatibility/2006">
               <mc:Choice xmlns:v="urn:schemas-microsoft-com:vml" Requires="v">
-                <p:oleObj spid="_x0000_s1051" name="Dokument" r:id="rId5" imgW="5638800" imgH="2171700" progId="Word.Document.12">
+                <p:oleObj spid="_x0000_s1054" name="Dokument" r:id="rId5" imgW="5638800" imgH="2171700" progId="Word.Document.12">
                   <p:embed/>
                 </p:oleObj>
               </mc:Choice>
@@ -10230,7 +10236,7 @@
           <a:graphicData uri="http://schemas.openxmlformats.org/presentationml/2006/ole">
             <mc:AlternateContent xmlns:mc="http://schemas.openxmlformats.org/markup-compatibility/2006">
               <mc:Choice xmlns:v="urn:schemas-microsoft-com:vml" Requires="v">
-                <p:oleObj spid="_x0000_s22589" name="Dokument" r:id="rId3" imgW="5575300" imgH="4838700" progId="Word.Document.12">
+                <p:oleObj spid="_x0000_s22592" name="Dokument" r:id="rId3" imgW="5575300" imgH="4838700" progId="Word.Document.12">
                   <p:embed/>
                 </p:oleObj>
               </mc:Choice>
@@ -10817,20 +10823,7 @@
                 <a:ea typeface="Andale Mono" charset="0"/>
                 <a:cs typeface="Andale Mono" charset="0"/>
               </a:rPr>
-              <a:t>Definice </a:t>
-            </a:r>
-            <a:r>
-              <a:rPr lang="cs-CZ" sz="1100" dirty="0" smtClean="0">
-                <a:solidFill>
-                  <a:schemeClr val="bg1">
-                    <a:lumMod val="50000"/>
-                  </a:schemeClr>
-                </a:solidFill>
-                <a:latin typeface="Andale Mono" charset="0"/>
-                <a:ea typeface="Andale Mono" charset="0"/>
-                <a:cs typeface="Andale Mono" charset="0"/>
-              </a:rPr>
-              <a:t>pinu </a:t>
+              <a:t>Definice pinu </a:t>
             </a:r>
             <a:r>
               <a:rPr lang="cs-CZ" sz="1100" smtClean="0">
@@ -10965,20 +10958,7 @@
                 <a:ea typeface="Andale Mono" charset="0"/>
                 <a:cs typeface="Andale Mono" charset="0"/>
               </a:rPr>
-              <a:t>Definice </a:t>
-            </a:r>
-            <a:r>
-              <a:rPr lang="cs-CZ" sz="1100" dirty="0" smtClean="0">
-                <a:solidFill>
-                  <a:schemeClr val="bg1">
-                    <a:lumMod val="50000"/>
-                  </a:schemeClr>
-                </a:solidFill>
-                <a:latin typeface="Andale Mono" charset="0"/>
-                <a:ea typeface="Andale Mono" charset="0"/>
-                <a:cs typeface="Andale Mono" charset="0"/>
-              </a:rPr>
-              <a:t>pinu pro tlačítko</a:t>
+              <a:t>Definice pinu pro tlačítko</a:t>
             </a:r>
             <a:endParaRPr lang="cs-CZ" sz="1100" dirty="0">
               <a:solidFill>
@@ -12670,14 +12650,6 @@
               </a:rPr>
               <a:t>Do obvodu s jedním tlačítkem přidejte druhé tlačítko. Naprogramujete kód tak, aby jedno stisknuté tlačítko otáčelo servomotorem od 0° do 180° a druhé tlačítko od 180° do 0°.</a:t>
             </a:r>
-            <a:endParaRPr lang="cs-CZ" sz="1600" dirty="0">
-              <a:solidFill>
-                <a:srgbClr val="AB7942"/>
-              </a:solidFill>
-              <a:latin typeface="Andale Mono" charset="0"/>
-              <a:ea typeface="Andale Mono" charset="0"/>
-              <a:cs typeface="Andale Mono" charset="0"/>
-            </a:endParaRPr>
           </a:p>
         </p:txBody>
       </p:sp>
@@ -13135,7 +13107,7 @@
           <a:graphicData uri="http://schemas.openxmlformats.org/presentationml/2006/ole">
             <mc:AlternateContent xmlns:mc="http://schemas.openxmlformats.org/markup-compatibility/2006">
               <mc:Choice xmlns:v="urn:schemas-microsoft-com:vml" Requires="v">
-                <p:oleObj spid="_x0000_s13524" name="Dokument" r:id="rId5" imgW="6413500" imgH="2933700" progId="Word.Document.12">
+                <p:oleObj spid="_x0000_s13529" name="Dokument" r:id="rId5" imgW="6413500" imgH="2933700" progId="Word.Document.12">
                   <p:embed/>
                 </p:oleObj>
               </mc:Choice>
@@ -13192,7 +13164,7 @@
           <a:graphicData uri="http://schemas.openxmlformats.org/presentationml/2006/ole">
             <mc:AlternateContent xmlns:mc="http://schemas.openxmlformats.org/markup-compatibility/2006">
               <mc:Choice xmlns:v="urn:schemas-microsoft-com:vml" Requires="v">
-                <p:oleObj spid="_x0000_s13525" name="Dokument" r:id="rId7" imgW="5575300" imgH="3848100" progId="Word.Document.12">
+                <p:oleObj spid="_x0000_s13530" name="Dokument" r:id="rId7" imgW="5575300" imgH="3848100" progId="Word.Document.12">
                   <p:embed/>
                 </p:oleObj>
               </mc:Choice>
